--- a/regex/RegExEJM.pptx
+++ b/regex/RegExEJM.pptx
@@ -5,7 +5,7 @@
     <p:sldMasterId id="2147483648" r:id="rId1"/>
   </p:sldMasterIdLst>
   <p:notesMasterIdLst>
-    <p:notesMasterId r:id="rId18"/>
+    <p:notesMasterId r:id="rId20"/>
   </p:notesMasterIdLst>
   <p:sldIdLst>
     <p:sldId id="257" r:id="rId2"/>
@@ -16,14 +16,16 @@
     <p:sldId id="263" r:id="rId7"/>
     <p:sldId id="258" r:id="rId8"/>
     <p:sldId id="266" r:id="rId9"/>
-    <p:sldId id="267" r:id="rId10"/>
-    <p:sldId id="256" r:id="rId11"/>
-    <p:sldId id="268" r:id="rId12"/>
-    <p:sldId id="264" r:id="rId13"/>
-    <p:sldId id="269" r:id="rId14"/>
-    <p:sldId id="270" r:id="rId15"/>
-    <p:sldId id="271" r:id="rId16"/>
-    <p:sldId id="265" r:id="rId17"/>
+    <p:sldId id="272" r:id="rId10"/>
+    <p:sldId id="267" r:id="rId11"/>
+    <p:sldId id="256" r:id="rId12"/>
+    <p:sldId id="268" r:id="rId13"/>
+    <p:sldId id="273" r:id="rId14"/>
+    <p:sldId id="264" r:id="rId15"/>
+    <p:sldId id="269" r:id="rId16"/>
+    <p:sldId id="270" r:id="rId17"/>
+    <p:sldId id="271" r:id="rId18"/>
+    <p:sldId id="265" r:id="rId19"/>
   </p:sldIdLst>
   <p:sldSz cx="9144000" cy="6858000" type="screen4x3"/>
   <p:notesSz cx="6858000" cy="9144000"/>
@@ -207,7 +209,7 @@
           <a:p>
             <a:fld id="{54C1F182-5203-BB49-99FD-1D100A195142}" type="datetimeFigureOut">
               <a:rPr lang="en-US" smtClean="0"/>
-              <a:t>12/8/12</a:t>
+              <a:t>12/11/12</a:t>
             </a:fld>
             <a:endParaRPr lang="en-US"/>
           </a:p>
@@ -762,7 +764,7 @@
         <p:nvSpPr>
           <p:cNvPr id="61443" name="Text Box 1"/>
           <p:cNvSpPr>
-            <a:spLocks noChangeArrowheads="1" noTextEdit="1"/>
+            <a:spLocks noGrp="1" noRot="1" noChangeAspect="1" noChangeArrowheads="1" noTextEdit="1"/>
           </p:cNvSpPr>
           <p:nvPr>
             <p:ph type="sldImg"/>
@@ -790,7 +792,7 @@
         <p:nvSpPr>
           <p:cNvPr id="61444" name="Text Box 2"/>
           <p:cNvSpPr>
-            <a:spLocks noChangeArrowheads="1"/>
+            <a:spLocks noGrp="1" noChangeArrowheads="1"/>
           </p:cNvSpPr>
           <p:nvPr>
             <p:ph type="body" idx="1"/>
@@ -1151,7 +1153,7 @@
         <p:nvSpPr>
           <p:cNvPr id="62467" name="Text Box 1"/>
           <p:cNvSpPr>
-            <a:spLocks noChangeArrowheads="1" noTextEdit="1"/>
+            <a:spLocks noGrp="1" noRot="1" noChangeAspect="1" noChangeArrowheads="1" noTextEdit="1"/>
           </p:cNvSpPr>
           <p:nvPr>
             <p:ph type="sldImg"/>
@@ -1179,7 +1181,7 @@
         <p:nvSpPr>
           <p:cNvPr id="62468" name="Text Box 2"/>
           <p:cNvSpPr>
-            <a:spLocks noChangeArrowheads="1"/>
+            <a:spLocks noGrp="1" noChangeArrowheads="1"/>
           </p:cNvSpPr>
           <p:nvPr>
             <p:ph type="body" idx="1"/>
@@ -1540,7 +1542,7 @@
         <p:nvSpPr>
           <p:cNvPr id="63491" name="Text Box 1"/>
           <p:cNvSpPr>
-            <a:spLocks noChangeArrowheads="1" noTextEdit="1"/>
+            <a:spLocks noGrp="1" noRot="1" noChangeAspect="1" noChangeArrowheads="1" noTextEdit="1"/>
           </p:cNvSpPr>
           <p:nvPr>
             <p:ph type="sldImg"/>
@@ -1568,7 +1570,7 @@
         <p:nvSpPr>
           <p:cNvPr id="63492" name="Text Box 2"/>
           <p:cNvSpPr>
-            <a:spLocks noChangeArrowheads="1"/>
+            <a:spLocks noGrp="1" noChangeArrowheads="1"/>
           </p:cNvSpPr>
           <p:nvPr>
             <p:ph type="body" idx="1"/>
@@ -1929,7 +1931,7 @@
         <p:nvSpPr>
           <p:cNvPr id="64515" name="Text Box 1"/>
           <p:cNvSpPr>
-            <a:spLocks noChangeArrowheads="1" noTextEdit="1"/>
+            <a:spLocks noGrp="1" noRot="1" noChangeAspect="1" noChangeArrowheads="1" noTextEdit="1"/>
           </p:cNvSpPr>
           <p:nvPr>
             <p:ph type="sldImg"/>
@@ -1957,7 +1959,7 @@
         <p:nvSpPr>
           <p:cNvPr id="64516" name="Text Box 2"/>
           <p:cNvSpPr>
-            <a:spLocks noChangeArrowheads="1"/>
+            <a:spLocks noGrp="1" noChangeArrowheads="1"/>
           </p:cNvSpPr>
           <p:nvPr>
             <p:ph type="body" idx="1"/>
@@ -2318,7 +2320,7 @@
         <p:nvSpPr>
           <p:cNvPr id="65539" name="Text Box 1"/>
           <p:cNvSpPr>
-            <a:spLocks noChangeArrowheads="1" noTextEdit="1"/>
+            <a:spLocks noGrp="1" noRot="1" noChangeAspect="1" noChangeArrowheads="1" noTextEdit="1"/>
           </p:cNvSpPr>
           <p:nvPr>
             <p:ph type="sldImg"/>
@@ -2346,7 +2348,7 @@
         <p:nvSpPr>
           <p:cNvPr id="65540" name="Text Box 2"/>
           <p:cNvSpPr>
-            <a:spLocks noChangeArrowheads="1"/>
+            <a:spLocks noGrp="1" noChangeArrowheads="1"/>
           </p:cNvSpPr>
           <p:nvPr>
             <p:ph type="body" idx="1"/>
@@ -2601,7 +2603,7 @@
           <a:p>
             <a:fld id="{DD11EE8A-E61C-474E-A200-0F839F5F1CEE}" type="datetimeFigureOut">
               <a:rPr lang="en-US" smtClean="0"/>
-              <a:t>12/8/12</a:t>
+              <a:t>12/11/12</a:t>
             </a:fld>
             <a:endParaRPr lang="en-US"/>
           </a:p>
@@ -2771,7 +2773,7 @@
           <a:p>
             <a:fld id="{DD11EE8A-E61C-474E-A200-0F839F5F1CEE}" type="datetimeFigureOut">
               <a:rPr lang="en-US" smtClean="0"/>
-              <a:t>12/8/12</a:t>
+              <a:t>12/11/12</a:t>
             </a:fld>
             <a:endParaRPr lang="en-US"/>
           </a:p>
@@ -2951,7 +2953,7 @@
           <a:p>
             <a:fld id="{DD11EE8A-E61C-474E-A200-0F839F5F1CEE}" type="datetimeFigureOut">
               <a:rPr lang="en-US" smtClean="0"/>
-              <a:t>12/8/12</a:t>
+              <a:t>12/11/12</a:t>
             </a:fld>
             <a:endParaRPr lang="en-US"/>
           </a:p>
@@ -3121,7 +3123,7 @@
           <a:p>
             <a:fld id="{DD11EE8A-E61C-474E-A200-0F839F5F1CEE}" type="datetimeFigureOut">
               <a:rPr lang="en-US" smtClean="0"/>
-              <a:t>12/8/12</a:t>
+              <a:t>12/11/12</a:t>
             </a:fld>
             <a:endParaRPr lang="en-US"/>
           </a:p>
@@ -3367,7 +3369,7 @@
           <a:p>
             <a:fld id="{DD11EE8A-E61C-474E-A200-0F839F5F1CEE}" type="datetimeFigureOut">
               <a:rPr lang="en-US" smtClean="0"/>
-              <a:t>12/8/12</a:t>
+              <a:t>12/11/12</a:t>
             </a:fld>
             <a:endParaRPr lang="en-US"/>
           </a:p>
@@ -3655,7 +3657,7 @@
           <a:p>
             <a:fld id="{DD11EE8A-E61C-474E-A200-0F839F5F1CEE}" type="datetimeFigureOut">
               <a:rPr lang="en-US" smtClean="0"/>
-              <a:t>12/8/12</a:t>
+              <a:t>12/11/12</a:t>
             </a:fld>
             <a:endParaRPr lang="en-US"/>
           </a:p>
@@ -4077,7 +4079,7 @@
           <a:p>
             <a:fld id="{DD11EE8A-E61C-474E-A200-0F839F5F1CEE}" type="datetimeFigureOut">
               <a:rPr lang="en-US" smtClean="0"/>
-              <a:t>12/8/12</a:t>
+              <a:t>12/11/12</a:t>
             </a:fld>
             <a:endParaRPr lang="en-US"/>
           </a:p>
@@ -4195,7 +4197,7 @@
           <a:p>
             <a:fld id="{DD11EE8A-E61C-474E-A200-0F839F5F1CEE}" type="datetimeFigureOut">
               <a:rPr lang="en-US" smtClean="0"/>
-              <a:t>12/8/12</a:t>
+              <a:t>12/11/12</a:t>
             </a:fld>
             <a:endParaRPr lang="en-US"/>
           </a:p>
@@ -4290,7 +4292,7 @@
           <a:p>
             <a:fld id="{DD11EE8A-E61C-474E-A200-0F839F5F1CEE}" type="datetimeFigureOut">
               <a:rPr lang="en-US" smtClean="0"/>
-              <a:t>12/8/12</a:t>
+              <a:t>12/11/12</a:t>
             </a:fld>
             <a:endParaRPr lang="en-US"/>
           </a:p>
@@ -4567,7 +4569,7 @@
           <a:p>
             <a:fld id="{DD11EE8A-E61C-474E-A200-0F839F5F1CEE}" type="datetimeFigureOut">
               <a:rPr lang="en-US" smtClean="0"/>
-              <a:t>12/8/12</a:t>
+              <a:t>12/11/12</a:t>
             </a:fld>
             <a:endParaRPr lang="en-US"/>
           </a:p>
@@ -4820,7 +4822,7 @@
           <a:p>
             <a:fld id="{DD11EE8A-E61C-474E-A200-0F839F5F1CEE}" type="datetimeFigureOut">
               <a:rPr lang="en-US" smtClean="0"/>
-              <a:t>12/8/12</a:t>
+              <a:t>12/11/12</a:t>
             </a:fld>
             <a:endParaRPr lang="en-US"/>
           </a:p>
@@ -5033,7 +5035,7 @@
           <a:p>
             <a:fld id="{DD11EE8A-E61C-474E-A200-0F839F5F1CEE}" type="datetimeFigureOut">
               <a:rPr lang="en-US" smtClean="0"/>
-              <a:t>12/8/12</a:t>
+              <a:t>12/11/12</a:t>
             </a:fld>
             <a:endParaRPr lang="en-US"/>
           </a:p>
@@ -5464,6 +5466,120 @@
       </p:grpSpPr>
       <p:sp>
         <p:nvSpPr>
+          <p:cNvPr id="2" name="Title 1"/>
+          <p:cNvSpPr>
+            <a:spLocks noGrp="1"/>
+          </p:cNvSpPr>
+          <p:nvPr>
+            <p:ph type="title"/>
+          </p:nvPr>
+        </p:nvSpPr>
+        <p:spPr>
+          <a:xfrm>
+            <a:off x="457200" y="274638"/>
+            <a:ext cx="8229600" cy="2575632"/>
+          </a:xfrm>
+        </p:spPr>
+        <p:txBody>
+          <a:bodyPr>
+            <a:normAutofit/>
+          </a:bodyPr>
+          <a:lstStyle/>
+          <a:p>
+            <a:r>
+              <a:rPr lang="en-US" dirty="0" smtClean="0"/>
+              <a:t>Regular Expressions are useful if you only </a:t>
+            </a:r>
+            <a:r>
+              <a:rPr lang="en-US" i="1" dirty="0" smtClean="0"/>
+              <a:t>kind of</a:t>
+            </a:r>
+            <a:r>
+              <a:rPr lang="en-US" dirty="0" smtClean="0"/>
+              <a:t> know what you are looking for.</a:t>
+            </a:r>
+            <a:endParaRPr lang="en-US" dirty="0"/>
+          </a:p>
+        </p:txBody>
+      </p:sp>
+      <p:sp>
+        <p:nvSpPr>
+          <p:cNvPr id="4" name="Title 1"/>
+          <p:cNvSpPr txBox="1">
+            <a:spLocks/>
+          </p:cNvSpPr>
+          <p:nvPr/>
+        </p:nvSpPr>
+        <p:spPr>
+          <a:xfrm>
+            <a:off x="609600" y="2908103"/>
+            <a:ext cx="8229600" cy="2575632"/>
+          </a:xfrm>
+          <a:prstGeom prst="rect">
+            <a:avLst/>
+          </a:prstGeom>
+        </p:spPr>
+        <p:txBody>
+          <a:bodyPr vert="horz" lIns="91440" tIns="45720" rIns="91440" bIns="45720" rtlCol="0" anchor="ctr">
+            <a:normAutofit/>
+          </a:bodyPr>
+          <a:lstStyle>
+            <a:lvl1pPr algn="ctr" defTabSz="457200" rtl="0" eaLnBrk="1" latinLnBrk="0" hangingPunct="1">
+              <a:spcBef>
+                <a:spcPct val="0"/>
+              </a:spcBef>
+              <a:buNone/>
+              <a:defRPr sz="4400" kern="1200">
+                <a:solidFill>
+                  <a:schemeClr val="tx1"/>
+                </a:solidFill>
+                <a:latin typeface="+mj-lt"/>
+                <a:ea typeface="+mj-ea"/>
+                <a:cs typeface="+mj-cs"/>
+              </a:defRPr>
+            </a:lvl1pPr>
+          </a:lstStyle>
+          <a:p>
+            <a:r>
+              <a:rPr lang="en-US" dirty="0" smtClean="0"/>
+              <a:t>especially if you know how it would be formatted</a:t>
+            </a:r>
+            <a:endParaRPr lang="en-US" dirty="0"/>
+          </a:p>
+        </p:txBody>
+      </p:sp>
+    </p:spTree>
+    <p:extLst>
+      <p:ext uri="{BB962C8B-B14F-4D97-AF65-F5344CB8AC3E}">
+        <p14:creationId xmlns:p14="http://schemas.microsoft.com/office/powerpoint/2010/main" val="2383869147"/>
+      </p:ext>
+    </p:extLst>
+  </p:cSld>
+  <p:clrMapOvr>
+    <a:masterClrMapping/>
+  </p:clrMapOvr>
+</p:sld>
+</file>
+
+<file path=ppt/slides/slide11.xml><?xml version="1.0" encoding="utf-8"?>
+<p:sld xmlns:a="http://schemas.openxmlformats.org/drawingml/2006/main" xmlns:r="http://schemas.openxmlformats.org/officeDocument/2006/relationships" xmlns:p="http://schemas.openxmlformats.org/presentationml/2006/main">
+  <p:cSld>
+    <p:spTree>
+      <p:nvGrpSpPr>
+        <p:cNvPr id="1" name=""/>
+        <p:cNvGrpSpPr/>
+        <p:nvPr/>
+      </p:nvGrpSpPr>
+      <p:grpSpPr>
+        <a:xfrm>
+          <a:off x="0" y="0"/>
+          <a:ext cx="0" cy="0"/>
+          <a:chOff x="0" y="0"/>
+          <a:chExt cx="0" cy="0"/>
+        </a:xfrm>
+      </p:grpSpPr>
+      <p:sp>
+        <p:nvSpPr>
           <p:cNvPr id="3" name="Subtitle 2"/>
           <p:cNvSpPr>
             <a:spLocks noGrp="1"/>
@@ -5518,7 +5634,7 @@
 </p:sld>
 </file>
 
-<file path=ppt/slides/slide11.xml><?xml version="1.0" encoding="utf-8"?>
+<file path=ppt/slides/slide12.xml><?xml version="1.0" encoding="utf-8"?>
 <p:sld xmlns:a="http://schemas.openxmlformats.org/drawingml/2006/main" xmlns:r="http://schemas.openxmlformats.org/officeDocument/2006/relationships" xmlns:p="http://schemas.openxmlformats.org/presentationml/2006/main">
   <p:cSld>
     <p:spTree>
@@ -5643,7 +5759,61 @@
 </p:sld>
 </file>
 
-<file path=ppt/slides/slide12.xml><?xml version="1.0" encoding="utf-8"?>
+<file path=ppt/slides/slide13.xml><?xml version="1.0" encoding="utf-8"?>
+<p:sld xmlns:a="http://schemas.openxmlformats.org/drawingml/2006/main" xmlns:r="http://schemas.openxmlformats.org/officeDocument/2006/relationships" xmlns:p="http://schemas.openxmlformats.org/presentationml/2006/main">
+  <p:cSld>
+    <p:spTree>
+      <p:nvGrpSpPr>
+        <p:cNvPr id="1" name=""/>
+        <p:cNvGrpSpPr/>
+        <p:nvPr/>
+      </p:nvGrpSpPr>
+      <p:grpSpPr>
+        <a:xfrm>
+          <a:off x="0" y="0"/>
+          <a:ext cx="0" cy="0"/>
+          <a:chOff x="0" y="0"/>
+          <a:chExt cx="0" cy="0"/>
+        </a:xfrm>
+      </p:grpSpPr>
+      <p:pic>
+        <p:nvPicPr>
+          <p:cNvPr id="4" name="Picture 3"/>
+          <p:cNvPicPr>
+            <a:picLocks noChangeAspect="1"/>
+          </p:cNvPicPr>
+          <p:nvPr/>
+        </p:nvPicPr>
+        <p:blipFill>
+          <a:blip r:embed="rId2"/>
+          <a:stretch>
+            <a:fillRect/>
+          </a:stretch>
+        </p:blipFill>
+        <p:spPr>
+          <a:xfrm>
+            <a:off x="1473200" y="0"/>
+            <a:ext cx="6193988" cy="6858000"/>
+          </a:xfrm>
+          <a:prstGeom prst="rect">
+            <a:avLst/>
+          </a:prstGeom>
+        </p:spPr>
+      </p:pic>
+    </p:spTree>
+    <p:extLst>
+      <p:ext uri="{BB962C8B-B14F-4D97-AF65-F5344CB8AC3E}">
+        <p14:creationId xmlns:p14="http://schemas.microsoft.com/office/powerpoint/2010/main" val="2218834085"/>
+      </p:ext>
+    </p:extLst>
+  </p:cSld>
+  <p:clrMapOvr>
+    <a:masterClrMapping/>
+  </p:clrMapOvr>
+</p:sld>
+</file>
+
+<file path=ppt/slides/slide14.xml><?xml version="1.0" encoding="utf-8"?>
 <p:sld xmlns:a="http://schemas.openxmlformats.org/drawingml/2006/main" xmlns:r="http://schemas.openxmlformats.org/officeDocument/2006/relationships" xmlns:p="http://schemas.openxmlformats.org/presentationml/2006/main">
   <p:cSld>
     <p:spTree>
@@ -5744,7 +5914,7 @@
 </p:sld>
 </file>
 
-<file path=ppt/slides/slide13.xml><?xml version="1.0" encoding="utf-8"?>
+<file path=ppt/slides/slide15.xml><?xml version="1.0" encoding="utf-8"?>
 <p:sld xmlns:a="http://schemas.openxmlformats.org/drawingml/2006/main" xmlns:r="http://schemas.openxmlformats.org/officeDocument/2006/relationships" xmlns:p="http://schemas.openxmlformats.org/presentationml/2006/main">
   <p:cSld>
     <p:spTree>
@@ -6141,7 +6311,7 @@
 </p:sld>
 </file>
 
-<file path=ppt/slides/slide14.xml><?xml version="1.0" encoding="utf-8"?>
+<file path=ppt/slides/slide16.xml><?xml version="1.0" encoding="utf-8"?>
 <p:sld xmlns:a="http://schemas.openxmlformats.org/drawingml/2006/main" xmlns:r="http://schemas.openxmlformats.org/officeDocument/2006/relationships" xmlns:p="http://schemas.openxmlformats.org/presentationml/2006/main">
   <p:cSld>
     <p:spTree>
@@ -6269,7 +6439,7 @@
 </p:sld>
 </file>
 
-<file path=ppt/slides/slide15.xml><?xml version="1.0" encoding="utf-8"?>
+<file path=ppt/slides/slide17.xml><?xml version="1.0" encoding="utf-8"?>
 <p:sld xmlns:a="http://schemas.openxmlformats.org/drawingml/2006/main" xmlns:r="http://schemas.openxmlformats.org/officeDocument/2006/relationships" xmlns:p="http://schemas.openxmlformats.org/presentationml/2006/main">
   <p:cSld>
     <p:spTree>
@@ -6365,7 +6535,7 @@
 </p:sld>
 </file>
 
-<file path=ppt/slides/slide16.xml><?xml version="1.0" encoding="utf-8"?>
+<file path=ppt/slides/slide18.xml><?xml version="1.0" encoding="utf-8"?>
 <p:sld xmlns:a="http://schemas.openxmlformats.org/drawingml/2006/main" xmlns:r="http://schemas.openxmlformats.org/officeDocument/2006/relationships" xmlns:p="http://schemas.openxmlformats.org/presentationml/2006/main">
   <p:cSld>
     <p:spTree>
@@ -6474,7 +6644,7 @@
         <p:spPr bwMode="auto">
           <a:xfrm>
             <a:off x="757418" y="711479"/>
-            <a:ext cx="7620480" cy="1828992"/>
+            <a:ext cx="7620480" cy="2036855"/>
           </a:xfrm>
           <a:prstGeom prst="rect">
             <a:avLst/>
@@ -6662,13 +6832,22 @@
               </a:lnSpc>
             </a:pPr>
             <a:r>
-              <a:rPr lang="en-US" sz="2500" dirty="0">
+              <a:rPr lang="en-US" sz="3600" dirty="0" smtClean="0">
                 <a:solidFill>
                   <a:srgbClr val="FF0000"/>
                 </a:solidFill>
                 <a:latin typeface="Droid Sans" charset="0"/>
               </a:rPr>
-              <a:t>Solution: regular expressions</a:t>
+              <a:t>regular </a:t>
+            </a:r>
+            <a:r>
+              <a:rPr lang="en-US" sz="3600" dirty="0">
+                <a:solidFill>
+                  <a:srgbClr val="FF0000"/>
+                </a:solidFill>
+                <a:latin typeface="Droid Sans" charset="0"/>
+              </a:rPr>
+              <a:t>expressions</a:t>
             </a:r>
           </a:p>
           <a:p>
@@ -6708,7 +6887,7 @@
   <p:timing>
     <p:tnLst>
       <p:par>
-        <p:cTn xmlns:p14="http://schemas.microsoft.com/office/powerpoint/2010/main" id="1" dur="indefinite" nodeType="tmRoot">
+        <p:cTn xmlns:p14="http://schemas.microsoft.com/office/powerpoint/2010/main" id="1" dur="indefinite" restart="never" nodeType="tmRoot">
           <p:childTnLst>
             <p:seq concurrent="1" nextAc="seek">
               <p:cTn id="2" dur="0" nodeType="mainSeq"/>
@@ -6763,7 +6942,7 @@
         <p:spPr bwMode="auto">
           <a:xfrm>
             <a:off x="839520" y="763281"/>
-            <a:ext cx="7620480" cy="2410813"/>
+            <a:ext cx="7620480" cy="3098684"/>
           </a:xfrm>
           <a:prstGeom prst="rect">
             <a:avLst/>
@@ -6951,15 +7130,22 @@
               </a:lnSpc>
             </a:pPr>
             <a:r>
-              <a:rPr lang="en-US" sz="2500" dirty="0">
-                <a:solidFill>
-                  <a:schemeClr val="bg1">
-                    <a:lumMod val="50000"/>
-                  </a:schemeClr>
+              <a:rPr lang="en-US" sz="3200" dirty="0" smtClean="0">
+                <a:solidFill>
+                  <a:srgbClr val="FF0000"/>
                 </a:solidFill>
                 <a:latin typeface="Droid Sans" charset="0"/>
               </a:rPr>
-              <a:t>Solution: regular expressions</a:t>
+              <a:t>regular </a:t>
+            </a:r>
+            <a:r>
+              <a:rPr lang="en-US" sz="3200" dirty="0">
+                <a:solidFill>
+                  <a:srgbClr val="FF0000"/>
+                </a:solidFill>
+                <a:latin typeface="Droid Sans" charset="0"/>
+              </a:rPr>
+              <a:t>expressions</a:t>
             </a:r>
           </a:p>
           <a:p>
@@ -6991,7 +7177,17 @@
                   </a:schemeClr>
                 </a:solidFill>
               </a:rPr>
-              <a:t>A pattern that strings can match</a:t>
+              <a:t>A pattern that strings can </a:t>
+            </a:r>
+            <a:r>
+              <a:rPr lang="en-US" sz="2500" dirty="0" smtClean="0">
+                <a:solidFill>
+                  <a:schemeClr val="bg1">
+                    <a:lumMod val="50000"/>
+                  </a:schemeClr>
+                </a:solidFill>
+              </a:rPr>
+              <a:t>match</a:t>
             </a:r>
           </a:p>
           <a:p>
@@ -7001,14 +7197,51 @@
               </a:lnSpc>
             </a:pPr>
             <a:r>
-              <a:rPr lang="en-US" sz="2500" dirty="0"/>
-              <a:t>Like </a:t>
+              <a:rPr lang="en-US" sz="2500" dirty="0" smtClean="0">
+                <a:solidFill>
+                  <a:schemeClr val="bg1">
+                    <a:lumMod val="50000"/>
+                  </a:schemeClr>
+                </a:solidFill>
+              </a:rPr>
+              <a:t>We have already seen examples!</a:t>
+            </a:r>
+            <a:endParaRPr lang="en-US" sz="2500" dirty="0">
+              <a:solidFill>
+                <a:schemeClr val="bg1">
+                  <a:lumMod val="50000"/>
+                </a:schemeClr>
+              </a:solidFill>
+            </a:endParaRPr>
+          </a:p>
+          <a:p>
+            <a:pPr eaLnBrk="1">
+              <a:lnSpc>
+                <a:spcPct val="150000"/>
+              </a:lnSpc>
+              <a:buFontTx/>
+              <a:buChar char="-"/>
+            </a:pPr>
+            <a:r>
+              <a:rPr lang="en-US" sz="2500" dirty="0" smtClean="0">
+                <a:latin typeface="Inconsolata" charset="0"/>
+              </a:rPr>
+              <a:t>'</a:t>
+            </a:r>
+            <a:r>
+              <a:rPr lang="en-US" sz="2500" dirty="0">
+                <a:solidFill>
+                  <a:srgbClr val="FF0000"/>
+                </a:solidFill>
+                <a:latin typeface="Inconsolata" charset="0"/>
+              </a:rPr>
+              <a:t>*</a:t>
             </a:r>
             <a:r>
               <a:rPr lang="en-US" sz="2500" dirty="0">
                 <a:latin typeface="Inconsolata" charset="0"/>
               </a:rPr>
-              <a:t>'*.txt'</a:t>
+              <a:t>.txt'</a:t>
             </a:r>
             <a:r>
               <a:rPr lang="en-US" sz="2500" dirty="0"/>
@@ -7018,11 +7251,14 @@
               <a:rPr lang="en-US" sz="2500" dirty="0">
                 <a:latin typeface="Inconsolata" charset="0"/>
               </a:rPr>
-              <a:t>'.txt'</a:t>
-            </a:r>
-            <a:endParaRPr lang="en-US" sz="2500" dirty="0">
-              <a:latin typeface="Droid Sans" charset="0"/>
-            </a:endParaRPr>
+              <a:t>'.</a:t>
+            </a:r>
+            <a:r>
+              <a:rPr lang="en-US" sz="2500" dirty="0" smtClean="0">
+                <a:latin typeface="Inconsolata" charset="0"/>
+              </a:rPr>
+              <a:t>txt’</a:t>
+            </a:r>
           </a:p>
         </p:txBody>
       </p:sp>
@@ -7040,7 +7276,7 @@
   <p:timing>
     <p:tnLst>
       <p:par>
-        <p:cTn xmlns:p14="http://schemas.microsoft.com/office/powerpoint/2010/main" id="1" dur="indefinite" nodeType="tmRoot">
+        <p:cTn xmlns:p14="http://schemas.microsoft.com/office/powerpoint/2010/main" id="1" dur="indefinite" restart="never" nodeType="tmRoot">
           <p:childTnLst>
             <p:seq concurrent="1" nextAc="seek">
               <p:cTn id="2" dur="0" nodeType="mainSeq"/>
@@ -7095,7 +7331,7 @@
         <p:spPr bwMode="auto">
           <a:xfrm>
             <a:off x="839520" y="763281"/>
-            <a:ext cx="7620480" cy="2992634"/>
+            <a:ext cx="7620480" cy="3098684"/>
           </a:xfrm>
           <a:prstGeom prst="rect">
             <a:avLst/>
@@ -7283,13 +7519,13 @@
               </a:lnSpc>
             </a:pPr>
             <a:r>
-              <a:rPr lang="en-US" sz="2500" dirty="0">
-                <a:solidFill>
-                  <a:srgbClr val="7F7F7F"/>
+              <a:rPr lang="en-US" sz="2800" dirty="0">
+                <a:solidFill>
+                  <a:srgbClr val="FF0000"/>
                 </a:solidFill>
                 <a:latin typeface="Droid Sans" charset="0"/>
               </a:rPr>
-              <a:t>Solution: regular expressions</a:t>
+              <a:t>regular expressions</a:t>
             </a:r>
           </a:p>
           <a:p>
@@ -7377,7 +7613,31 @@
               <a:rPr lang="en-US" sz="2500" dirty="0">
                 <a:latin typeface="Droid Sans" charset="0"/>
               </a:rPr>
-              <a:t>Warning: notation is ugly</a:t>
+              <a:t>Warning: notation </a:t>
+            </a:r>
+            <a:r>
+              <a:rPr lang="en-US" sz="2500" dirty="0">
+                <a:latin typeface="Droid Sans" charset="0"/>
+              </a:rPr>
+              <a:t>c</a:t>
+            </a:r>
+            <a:r>
+              <a:rPr lang="en-US" sz="2500" dirty="0" smtClean="0">
+                <a:latin typeface="Droid Sans" charset="0"/>
+              </a:rPr>
+              <a:t>an get</a:t>
+            </a:r>
+            <a:r>
+              <a:rPr lang="en-US" sz="2500" dirty="0" smtClean="0">
+                <a:latin typeface="Droid Sans" charset="0"/>
+              </a:rPr>
+              <a:t> </a:t>
+            </a:r>
+            <a:r>
+              <a:rPr lang="en-US" sz="2500" dirty="0">
+                <a:latin typeface="Droid Sans" charset="0"/>
+              </a:rPr>
+              <a:t>ugly</a:t>
             </a:r>
           </a:p>
         </p:txBody>
@@ -7396,7 +7656,7 @@
   <p:timing>
     <p:tnLst>
       <p:par>
-        <p:cTn xmlns:p14="http://schemas.microsoft.com/office/powerpoint/2010/main" id="1" dur="indefinite" nodeType="tmRoot">
+        <p:cTn xmlns:p14="http://schemas.microsoft.com/office/powerpoint/2010/main" id="1" dur="indefinite" restart="never" nodeType="tmRoot">
           <p:childTnLst>
             <p:seq concurrent="1" nextAc="seek">
               <p:cTn id="2" dur="0" nodeType="mainSeq"/>
@@ -7639,13 +7899,13 @@
               </a:lnSpc>
             </a:pPr>
             <a:r>
-              <a:rPr lang="en-US" sz="2500" dirty="0">
-                <a:solidFill>
-                  <a:srgbClr val="7F7F7F"/>
+              <a:rPr lang="en-US" sz="2800" dirty="0">
+                <a:solidFill>
+                  <a:srgbClr val="FF0000"/>
                 </a:solidFill>
                 <a:latin typeface="Droid Sans" charset="0"/>
               </a:rPr>
-              <a:t>Solution: regular expressions</a:t>
+              <a:t>regular expressions</a:t>
             </a:r>
           </a:p>
           <a:p>
@@ -7732,11 +7992,13 @@
             <a:r>
               <a:rPr lang="en-US" sz="2500" dirty="0">
                 <a:solidFill>
-                  <a:srgbClr val="7F7F7F"/>
+                  <a:schemeClr val="bg1">
+                    <a:lumMod val="50000"/>
+                  </a:schemeClr>
                 </a:solidFill>
                 <a:latin typeface="Droid Sans" charset="0"/>
               </a:rPr>
-              <a:t>Warning: notation is ugly</a:t>
+              <a:t>Warning: notation can get ugly</a:t>
             </a:r>
           </a:p>
           <a:p>
@@ -7746,10 +8008,16 @@
               </a:lnSpc>
             </a:pPr>
             <a:r>
+              <a:rPr lang="en-US" sz="2500" dirty="0" smtClean="0">
+                <a:latin typeface="Droid Sans" charset="0"/>
+              </a:rPr>
+              <a:t>Writing </a:t>
+            </a:r>
+            <a:r>
               <a:rPr lang="en-US" sz="2500" dirty="0">
                 <a:latin typeface="Droid Sans" charset="0"/>
               </a:rPr>
-              <a:t>Writing patterns for strings </a:t>
+              <a:t>patterns for strings </a:t>
             </a:r>
             <a:r>
               <a:rPr lang="en-US" sz="2500" i="1" dirty="0">
@@ -7783,7 +8051,7 @@
   <p:timing>
     <p:tnLst>
       <p:par>
-        <p:cTn xmlns:p14="http://schemas.microsoft.com/office/powerpoint/2010/main" id="1" dur="indefinite" nodeType="tmRoot">
+        <p:cTn xmlns:p14="http://schemas.microsoft.com/office/powerpoint/2010/main" id="1" dur="indefinite" restart="never" nodeType="tmRoot">
           <p:childTnLst>
             <p:seq concurrent="1" nextAc="seek">
               <p:cTn id="2" dur="0" nodeType="mainSeq"/>
@@ -7838,7 +8106,7 @@
         <p:spPr bwMode="auto">
           <a:xfrm>
             <a:off x="839520" y="763281"/>
-            <a:ext cx="7620480" cy="4738097"/>
+            <a:ext cx="7620480" cy="4737594"/>
           </a:xfrm>
           <a:prstGeom prst="rect">
             <a:avLst/>
@@ -8026,13 +8294,13 @@
               </a:lnSpc>
             </a:pPr>
             <a:r>
-              <a:rPr lang="en-US" sz="2500" dirty="0">
-                <a:solidFill>
-                  <a:srgbClr val="7F7F7F"/>
+              <a:rPr lang="en-US" sz="2800" dirty="0">
+                <a:solidFill>
+                  <a:srgbClr val="FF0000"/>
                 </a:solidFill>
                 <a:latin typeface="Droid Sans" charset="0"/>
               </a:rPr>
-              <a:t>Solution: regular expressions</a:t>
+              <a:t>regular expressions</a:t>
             </a:r>
           </a:p>
           <a:p>
@@ -8123,7 +8391,16 @@
                 </a:solidFill>
                 <a:latin typeface="Droid Sans" charset="0"/>
               </a:rPr>
-              <a:t>Warning: notation is ugly</a:t>
+              <a:t>Warning: notation can get </a:t>
+            </a:r>
+            <a:r>
+              <a:rPr lang="en-US" sz="2500" dirty="0" smtClean="0">
+                <a:solidFill>
+                  <a:srgbClr val="7F7F7F"/>
+                </a:solidFill>
+                <a:latin typeface="Droid Sans" charset="0"/>
+              </a:rPr>
+              <a:t>ugly</a:t>
             </a:r>
           </a:p>
           <a:p>
@@ -8157,13 +8434,22 @@
                 </a:solidFill>
                 <a:latin typeface="Droid Sans" charset="0"/>
               </a:rPr>
-              <a:t> strings...</a:t>
+              <a:t> </a:t>
+            </a:r>
+            <a:r>
+              <a:rPr lang="en-US" sz="2500" dirty="0" smtClean="0">
+                <a:solidFill>
+                  <a:srgbClr val="7F7F7F"/>
+                </a:solidFill>
+                <a:latin typeface="Droid Sans" charset="0"/>
+              </a:rPr>
+              <a:t>strings…</a:t>
             </a:r>
             <a:endParaRPr lang="en-US" sz="2500" dirty="0">
               <a:solidFill>
                 <a:srgbClr val="7F7F7F"/>
               </a:solidFill>
-              <a:latin typeface="Inconsolata" charset="0"/>
+              <a:latin typeface="Droid Sans" charset="0"/>
             </a:endParaRPr>
           </a:p>
           <a:p>
@@ -8173,10 +8459,16 @@
               </a:lnSpc>
             </a:pPr>
             <a:r>
+              <a:rPr lang="en-US" sz="2500" dirty="0" smtClean="0">
+                <a:latin typeface="Droid Sans" charset="0"/>
+              </a:rPr>
+              <a:t>.</a:t>
+            </a:r>
+            <a:r>
               <a:rPr lang="en-US" sz="2500" dirty="0">
                 <a:latin typeface="Droid Sans" charset="0"/>
               </a:rPr>
-              <a:t>...using only the symbols on the keyboard (instead</a:t>
+              <a:t>..using only the symbols on the keyboard (instead</a:t>
             </a:r>
           </a:p>
           <a:p>
@@ -8208,7 +8500,7 @@
   <p:timing>
     <p:tnLst>
       <p:par>
-        <p:cTn xmlns:p14="http://schemas.microsoft.com/office/powerpoint/2010/main" id="1" dur="indefinite" nodeType="tmRoot">
+        <p:cTn xmlns:p14="http://schemas.microsoft.com/office/powerpoint/2010/main" id="1" dur="indefinite" restart="never" nodeType="tmRoot">
           <p:childTnLst>
             <p:seq concurrent="1" nextAc="seek">
               <p:cTn id="2" dur="0" nodeType="mainSeq"/>
@@ -8323,7 +8615,11 @@
           <a:p>
             <a:r>
               <a:rPr lang="en-US" dirty="0" smtClean="0"/>
-              <a:t>Why not just use “find”</a:t>
+              <a:t>Why not just use “find</a:t>
+            </a:r>
+            <a:r>
+              <a:rPr lang="en-US" dirty="0" smtClean="0"/>
+              <a:t>”?</a:t>
             </a:r>
             <a:endParaRPr lang="en-US" dirty="0"/>
           </a:p>
@@ -8349,7 +8645,11 @@
             </a:pPr>
             <a:r>
               <a:rPr lang="en-US" dirty="0" smtClean="0"/>
-              <a:t>or in python:</a:t>
+              <a:t>in python</a:t>
+            </a:r>
+            <a:r>
+              <a:rPr lang="en-US" dirty="0" smtClean="0"/>
+              <a:t>:</a:t>
             </a:r>
           </a:p>
           <a:p>
@@ -8485,30 +8785,139 @@
             <p:ph type="title"/>
           </p:nvPr>
         </p:nvSpPr>
-        <p:spPr>
-          <a:xfrm>
-            <a:off x="457200" y="274638"/>
-            <a:ext cx="8229600" cy="2575632"/>
-          </a:xfrm>
-        </p:spPr>
-        <p:txBody>
-          <a:bodyPr>
-            <a:normAutofit/>
-          </a:bodyPr>
+        <p:spPr/>
+        <p:txBody>
+          <a:bodyPr/>
           <a:lstStyle/>
           <a:p>
             <a:r>
               <a:rPr lang="en-US" dirty="0" smtClean="0"/>
-              <a:t>Regular Expressions are useful if you only </a:t>
-            </a:r>
-            <a:r>
-              <a:rPr lang="en-US" i="1" dirty="0" smtClean="0"/>
-              <a:t>kind of</a:t>
+              <a:t>Why not just use “find</a:t>
             </a:r>
             <a:r>
               <a:rPr lang="en-US" dirty="0" smtClean="0"/>
-              <a:t> know what you are looking for.</a:t>
-            </a:r>
+              <a:t>”?</a:t>
+            </a:r>
+            <a:endParaRPr lang="en-US" dirty="0"/>
+          </a:p>
+        </p:txBody>
+      </p:sp>
+      <p:sp>
+        <p:nvSpPr>
+          <p:cNvPr id="3" name="Content Placeholder 2"/>
+          <p:cNvSpPr>
+            <a:spLocks noGrp="1"/>
+          </p:cNvSpPr>
+          <p:nvPr>
+            <p:ph idx="1"/>
+          </p:nvPr>
+        </p:nvSpPr>
+        <p:spPr/>
+        <p:txBody>
+          <a:bodyPr/>
+          <a:lstStyle/>
+          <a:p>
+            <a:pPr marL="0" indent="0">
+              <a:buNone/>
+            </a:pPr>
+            <a:r>
+              <a:rPr lang="en-US" dirty="0" smtClean="0"/>
+              <a:t>in python</a:t>
+            </a:r>
+            <a:r>
+              <a:rPr lang="en-US" dirty="0" smtClean="0"/>
+              <a:t>:</a:t>
+            </a:r>
+          </a:p>
+          <a:p>
+            <a:pPr marL="0" indent="0">
+              <a:buNone/>
+            </a:pPr>
+            <a:r>
+              <a:rPr lang="en-US" dirty="0" err="1" smtClean="0"/>
+              <a:t>searchstring</a:t>
+            </a:r>
+            <a:r>
+              <a:rPr lang="en-US" dirty="0" smtClean="0"/>
+              <a:t>=“thing I’m </a:t>
+            </a:r>
+            <a:r>
+              <a:rPr lang="en-US" dirty="0" err="1" smtClean="0"/>
+              <a:t>lookin</a:t>
+            </a:r>
+            <a:r>
+              <a:rPr lang="en-US" dirty="0" smtClean="0"/>
+              <a:t> for”</a:t>
+            </a:r>
+          </a:p>
+          <a:p>
+            <a:pPr marL="0" indent="0">
+              <a:buNone/>
+            </a:pPr>
+            <a:r>
+              <a:rPr lang="en-US" dirty="0" smtClean="0"/>
+              <a:t>for </a:t>
+            </a:r>
+            <a:r>
+              <a:rPr lang="en-US" dirty="0" err="1" smtClean="0"/>
+              <a:t>lin</a:t>
+            </a:r>
+            <a:r>
+              <a:rPr lang="en-US" dirty="0" smtClean="0"/>
+              <a:t> in file:</a:t>
+            </a:r>
+          </a:p>
+          <a:p>
+            <a:pPr marL="0" indent="0">
+              <a:buNone/>
+            </a:pPr>
+            <a:r>
+              <a:rPr lang="en-US" dirty="0"/>
+              <a:t>	</a:t>
+            </a:r>
+            <a:r>
+              <a:rPr lang="en-US" dirty="0" smtClean="0"/>
+              <a:t>if </a:t>
+            </a:r>
+            <a:r>
+              <a:rPr lang="en-US" dirty="0" err="1" smtClean="0"/>
+              <a:t>searchstring</a:t>
+            </a:r>
+            <a:r>
+              <a:rPr lang="en-US" dirty="0" smtClean="0"/>
+              <a:t> in </a:t>
+            </a:r>
+            <a:r>
+              <a:rPr lang="en-US" dirty="0" err="1" smtClean="0"/>
+              <a:t>lin</a:t>
+            </a:r>
+            <a:r>
+              <a:rPr lang="en-US" dirty="0" smtClean="0"/>
+              <a:t>:</a:t>
+            </a:r>
+          </a:p>
+          <a:p>
+            <a:pPr marL="0" indent="0">
+              <a:buNone/>
+            </a:pPr>
+            <a:r>
+              <a:rPr lang="en-US" dirty="0"/>
+              <a:t>	</a:t>
+            </a:r>
+            <a:r>
+              <a:rPr lang="en-US" dirty="0" smtClean="0"/>
+              <a:t>	print </a:t>
+            </a:r>
+            <a:r>
+              <a:rPr lang="en-US" dirty="0" err="1" smtClean="0"/>
+              <a:t>lin</a:t>
+            </a:r>
+            <a:endParaRPr lang="en-US" dirty="0" smtClean="0"/>
+          </a:p>
+          <a:p>
+            <a:pPr marL="0" indent="0">
+              <a:buNone/>
+            </a:pPr>
             <a:endParaRPr lang="en-US" dirty="0"/>
           </a:p>
         </p:txBody>
@@ -8523,8 +8932,8 @@
         </p:nvSpPr>
         <p:spPr>
           <a:xfrm>
-            <a:off x="609600" y="2908103"/>
-            <a:ext cx="8229600" cy="2575632"/>
+            <a:off x="457200" y="4768899"/>
+            <a:ext cx="8229600" cy="1143000"/>
           </a:xfrm>
           <a:prstGeom prst="rect">
             <a:avLst/>
@@ -8552,17 +8961,25 @@
           </a:lstStyle>
           <a:p>
             <a:r>
-              <a:rPr lang="en-US" dirty="0" smtClean="0"/>
-              <a:t>especially if you know how it would be formatted</a:t>
-            </a:r>
-            <a:endParaRPr lang="en-US" dirty="0"/>
+              <a:rPr lang="en-US" dirty="0" smtClean="0">
+                <a:solidFill>
+                  <a:srgbClr val="FF0000"/>
+                </a:solidFill>
+              </a:rPr>
+              <a:t>FLEXIBILITY</a:t>
+            </a:r>
+            <a:endParaRPr lang="en-US" dirty="0">
+              <a:solidFill>
+                <a:srgbClr val="FF0000"/>
+              </a:solidFill>
+            </a:endParaRPr>
           </a:p>
         </p:txBody>
       </p:sp>
     </p:spTree>
     <p:extLst>
       <p:ext uri="{BB962C8B-B14F-4D97-AF65-F5344CB8AC3E}">
-        <p14:creationId xmlns:p14="http://schemas.microsoft.com/office/powerpoint/2010/main" val="2383869147"/>
+        <p14:creationId xmlns:p14="http://schemas.microsoft.com/office/powerpoint/2010/main" val="1478120710"/>
       </p:ext>
     </p:extLst>
   </p:cSld>
